--- a/DataGovernance/starter-template.pptx
+++ b/DataGovernance/starter-template.pptx
@@ -131,6 +131,7 @@
 <file path=ppt/revisionInfo.xml><?xml version="1.0" encoding="utf-8"?>
 <p1510:revInfo xmlns:a="http://schemas.openxmlformats.org/drawingml/2006/main" xmlns:r="http://schemas.openxmlformats.org/officeDocument/2006/relationships" xmlns:p1510="http://schemas.microsoft.com/office/powerpoint/2015/10/main">
   <p1510:revLst>
+    <p1510:client id="{93CC07E9-7702-9D8B-5C96-74EB64C60C18}" v="35" dt="2022-06-07T09:51:19.667"/>
     <p1510:client id="{F82DC2BF-2D22-348B-D68A-EE96893F7EC1}" v="1868" dt="2022-06-07T06:20:59.405"/>
   </p1510:revLst>
 </p1510:revInfo>
@@ -7903,7 +7904,7 @@
       </p:sp>
       <p:pic>
         <p:nvPicPr>
-          <p:cNvPr id="2" name="Imagen 2" descr="Gráfico, Gráfico de barras&#10;&#10;Descripción generada automáticamente">
+          <p:cNvPr id="2" name="Imagen 2" descr="Gráfico&#10;&#10;Descripción generada automáticamente">
             <a:extLst>
               <a:ext uri="{FF2B5EF4-FFF2-40B4-BE49-F238E27FC236}">
                 <a16:creationId xmlns:a16="http://schemas.microsoft.com/office/drawing/2014/main" id="{B2260BE0-18B6-5FB6-7C56-B87211E8C13F}"/>
@@ -7923,8 +7924,8 @@
         </p:blipFill>
         <p:spPr>
           <a:xfrm>
-            <a:off x="617109" y="4883343"/>
-            <a:ext cx="6529552" cy="3100474"/>
+            <a:off x="868146" y="4883343"/>
+            <a:ext cx="6027477" cy="3100474"/>
           </a:xfrm>
           <a:prstGeom prst="rect">
             <a:avLst/>
@@ -7978,8 +7979,8 @@
         </p:blipFill>
         <p:spPr>
           <a:xfrm>
-            <a:off x="110763" y="3807916"/>
-            <a:ext cx="7440974" cy="3530645"/>
+            <a:off x="436934" y="3807916"/>
+            <a:ext cx="6788631" cy="3530645"/>
           </a:xfrm>
           <a:prstGeom prst="rect">
             <a:avLst/>
@@ -8872,7 +8873,7 @@
               </a:tabLst>
             </a:pPr>
             <a:r>
-              <a:rPr lang="en" sz="1600" spc="-1">
+              <a:rPr lang="en" sz="1600" spc="-1" dirty="0">
                 <a:solidFill>
                   <a:srgbClr val="525C65"/>
                 </a:solidFill>
@@ -8885,7 +8886,7 @@
               <a:t>The following </a:t>
             </a:r>
             <a:r>
-              <a:rPr lang="en" sz="1600" b="1" strike="noStrike" spc="-1">
+              <a:rPr lang="en" sz="1600" b="1" strike="noStrike" spc="-1" dirty="0">
                 <a:solidFill>
                   <a:srgbClr val="525C65"/>
                 </a:solidFill>
@@ -8898,7 +8899,7 @@
               <a:t>matching rules</a:t>
             </a:r>
             <a:r>
-              <a:rPr lang="en" sz="1600" b="0" strike="noStrike" spc="-1">
+              <a:rPr lang="en" sz="1600" b="0" strike="noStrike" spc="-1" dirty="0">
                 <a:solidFill>
                   <a:srgbClr val="525C65"/>
                 </a:solidFill>
@@ -8911,7 +8912,7 @@
               <a:t> will be used by the </a:t>
             </a:r>
             <a:r>
-              <a:rPr lang="en" sz="1600" b="0" strike="noStrike" spc="-1" err="1">
+              <a:rPr lang="en" sz="1600" b="0" strike="noStrike" spc="-1" dirty="0" err="1">
                 <a:solidFill>
                   <a:srgbClr val="525C65"/>
                 </a:solidFill>
@@ -8957,7 +8958,7 @@
               </a:tabLst>
             </a:pPr>
             <a:r>
-              <a:rPr lang="en" sz="1600" spc="-1">
+              <a:rPr lang="en" sz="1600" spc="-1" dirty="0">
                 <a:solidFill>
                   <a:srgbClr val="525C65"/>
                 </a:solidFill>
@@ -8970,7 +8971,7 @@
               <a:t>Items and listings are to be matched using the </a:t>
             </a:r>
             <a:r>
-              <a:rPr lang="en" sz="1600" i="1" spc="-1">
+              <a:rPr lang="en" sz="1600" i="1" spc="-1" dirty="0" err="1">
                 <a:solidFill>
                   <a:srgbClr val="525C65"/>
                 </a:solidFill>
@@ -8980,10 +8981,10 @@
                 <a:latin typeface="Open Sans"/>
                 <a:ea typeface="Open Sans"/>
               </a:rPr>
-              <a:t>itemid </a:t>
-            </a:r>
-            <a:r>
-              <a:rPr lang="en" sz="1600" spc="-1">
+              <a:t>itemid</a:t>
+            </a:r>
+            <a:r>
+              <a:rPr lang="en" sz="1600" i="1" spc="-1" dirty="0">
                 <a:solidFill>
                   <a:srgbClr val="525C65"/>
                 </a:solidFill>
@@ -8993,10 +8994,10 @@
                 <a:latin typeface="Open Sans"/>
                 <a:ea typeface="Open Sans"/>
               </a:rPr>
-              <a:t>and the </a:t>
-            </a:r>
-            <a:r>
-              <a:rPr lang="en" sz="1600" i="1" spc="-1">
+              <a:t> </a:t>
+            </a:r>
+            <a:r>
+              <a:rPr lang="en" sz="1600" spc="-1" dirty="0">
                 <a:solidFill>
                   <a:srgbClr val="525C65"/>
                 </a:solidFill>
@@ -9006,10 +9007,10 @@
                 <a:latin typeface="Open Sans"/>
                 <a:ea typeface="Open Sans"/>
               </a:rPr>
-              <a:t>productid</a:t>
-            </a:r>
-            <a:r>
-              <a:rPr lang="en" sz="1600" spc="-1">
+              <a:t>and the </a:t>
+            </a:r>
+            <a:r>
+              <a:rPr lang="en" sz="1600" i="1" spc="-1" dirty="0">
                 <a:solidFill>
                   <a:srgbClr val="525C65"/>
                 </a:solidFill>
@@ -9019,7 +9020,20 @@
                 <a:latin typeface="Open Sans"/>
                 <a:ea typeface="Open Sans"/>
               </a:rPr>
-              <a:t>. Also color, brand name, gender/sex, size and condition are to be matched to uniquely represent the caracteristics of an item.</a:t>
+              <a:t>productid</a:t>
+            </a:r>
+            <a:r>
+              <a:rPr lang="en" sz="1600" spc="-1" dirty="0">
+                <a:solidFill>
+                  <a:srgbClr val="525C65"/>
+                </a:solidFill>
+                <a:highlight>
+                  <a:srgbClr val="FFFFFF"/>
+                </a:highlight>
+                <a:latin typeface="Open Sans"/>
+                <a:ea typeface="Open Sans"/>
+              </a:rPr>
+              <a:t>. Also color, brand name, gender/sex, size and condition are to be matched to uniquely represent the characteristics of an item.</a:t>
             </a:r>
             <a:endParaRPr lang="en" sz="1600" b="0" strike="noStrike" spc="-1" dirty="0">
               <a:solidFill>
@@ -9046,7 +9060,7 @@
               </a:tabLst>
             </a:pPr>
             <a:r>
-              <a:rPr lang="en" sz="1600" spc="-1">
+              <a:rPr lang="en" sz="1600" spc="-1" dirty="0">
                 <a:solidFill>
                   <a:srgbClr val="525C65"/>
                 </a:solidFill>
@@ -9056,9 +9070,48 @@
                 <a:latin typeface="Open Sans"/>
                 <a:ea typeface="Open Sans"/>
               </a:rPr>
-              <a:t>Customer data is to be merged using the userid fields from the user table and the customerservicerequest. Firstname, lastname and email should uniquely identify a user</a:t>
-            </a:r>
-            <a:endParaRPr lang="en" sz="1600" b="0" strike="noStrike" spc="-1" dirty="0">
+              <a:t>Listings and </a:t>
+            </a:r>
+            <a:r>
+              <a:rPr lang="en" sz="1600" spc="-1" dirty="0" err="1">
+                <a:solidFill>
+                  <a:srgbClr val="525C65"/>
+                </a:solidFill>
+                <a:highlight>
+                  <a:srgbClr val="FFFFFF"/>
+                </a:highlight>
+                <a:latin typeface="Open Sans"/>
+                <a:ea typeface="Open Sans"/>
+              </a:rPr>
+              <a:t>orderlistings</a:t>
+            </a:r>
+            <a:r>
+              <a:rPr lang="en" sz="1600" spc="-1" dirty="0">
+                <a:solidFill>
+                  <a:srgbClr val="525C65"/>
+                </a:solidFill>
+                <a:highlight>
+                  <a:srgbClr val="FFFFFF"/>
+                </a:highlight>
+                <a:latin typeface="Open Sans"/>
+                <a:ea typeface="Open Sans"/>
+              </a:rPr>
+              <a:t> are to be matched using </a:t>
+            </a:r>
+            <a:r>
+              <a:rPr lang="en" sz="1600" i="1" spc="-1" dirty="0" err="1">
+                <a:solidFill>
+                  <a:srgbClr val="525C65"/>
+                </a:solidFill>
+                <a:highlight>
+                  <a:srgbClr val="FFFFFF"/>
+                </a:highlight>
+                <a:latin typeface="Open Sans"/>
+                <a:ea typeface="Open Sans"/>
+              </a:rPr>
+              <a:t>listingid</a:t>
+            </a:r>
+            <a:endParaRPr lang="en" sz="1600" i="1" spc="-1">
               <a:solidFill>
                 <a:srgbClr val="525C65"/>
               </a:solidFill>
@@ -9083,7 +9136,7 @@
               </a:tabLst>
             </a:pPr>
             <a:r>
-              <a:rPr lang="en" sz="1600" spc="-1">
+              <a:rPr lang="en" sz="1600" spc="-1" dirty="0">
                 <a:solidFill>
                   <a:srgbClr val="525C65"/>
                 </a:solidFill>
@@ -9093,7 +9146,111 @@
                 <a:latin typeface="Open Sans"/>
                 <a:ea typeface="Open Sans"/>
               </a:rPr>
-              <a:t>Customer data is to be matched using the userid field and the sellerid from listings and items</a:t>
+              <a:t>Customer data is to be merged using the </a:t>
+            </a:r>
+            <a:r>
+              <a:rPr lang="en" sz="1600" spc="-1" dirty="0" err="1">
+                <a:solidFill>
+                  <a:srgbClr val="525C65"/>
+                </a:solidFill>
+                <a:highlight>
+                  <a:srgbClr val="FFFFFF"/>
+                </a:highlight>
+                <a:latin typeface="Open Sans"/>
+                <a:ea typeface="Open Sans"/>
+              </a:rPr>
+              <a:t>userid</a:t>
+            </a:r>
+            <a:r>
+              <a:rPr lang="en" sz="1600" spc="-1" dirty="0">
+                <a:solidFill>
+                  <a:srgbClr val="525C65"/>
+                </a:solidFill>
+                <a:highlight>
+                  <a:srgbClr val="FFFFFF"/>
+                </a:highlight>
+                <a:latin typeface="Open Sans"/>
+                <a:ea typeface="Open Sans"/>
+              </a:rPr>
+              <a:t> fields from the user table and the </a:t>
+            </a:r>
+            <a:r>
+              <a:rPr lang="en" sz="1600" spc="-1" dirty="0" err="1">
+                <a:solidFill>
+                  <a:srgbClr val="525C65"/>
+                </a:solidFill>
+                <a:highlight>
+                  <a:srgbClr val="FFFFFF"/>
+                </a:highlight>
+                <a:latin typeface="Open Sans"/>
+                <a:ea typeface="Open Sans"/>
+              </a:rPr>
+              <a:t>customerservicerequest</a:t>
+            </a:r>
+            <a:r>
+              <a:rPr lang="en" sz="1600" spc="-1" dirty="0">
+                <a:solidFill>
+                  <a:srgbClr val="525C65"/>
+                </a:solidFill>
+                <a:highlight>
+                  <a:srgbClr val="FFFFFF"/>
+                </a:highlight>
+                <a:latin typeface="Open Sans"/>
+                <a:ea typeface="Open Sans"/>
+              </a:rPr>
+              <a:t>. </a:t>
+            </a:r>
+            <a:r>
+              <a:rPr lang="en" sz="1600" spc="-1" dirty="0" err="1">
+                <a:solidFill>
+                  <a:srgbClr val="525C65"/>
+                </a:solidFill>
+                <a:highlight>
+                  <a:srgbClr val="FFFFFF"/>
+                </a:highlight>
+                <a:latin typeface="Open Sans"/>
+                <a:ea typeface="Open Sans"/>
+              </a:rPr>
+              <a:t>Firstname</a:t>
+            </a:r>
+            <a:r>
+              <a:rPr lang="en" sz="1600" spc="-1" dirty="0">
+                <a:solidFill>
+                  <a:srgbClr val="525C65"/>
+                </a:solidFill>
+                <a:highlight>
+                  <a:srgbClr val="FFFFFF"/>
+                </a:highlight>
+                <a:latin typeface="Open Sans"/>
+                <a:ea typeface="Open Sans"/>
+              </a:rPr>
+              <a:t>, </a:t>
+            </a:r>
+            <a:r>
+              <a:rPr lang="en" sz="1600" spc="-1" dirty="0" err="1">
+                <a:solidFill>
+                  <a:srgbClr val="525C65"/>
+                </a:solidFill>
+                <a:highlight>
+                  <a:srgbClr val="FFFFFF"/>
+                </a:highlight>
+                <a:latin typeface="Open Sans"/>
+                <a:ea typeface="Open Sans"/>
+              </a:rPr>
+              <a:t>lastname</a:t>
+            </a:r>
+            <a:r>
+              <a:rPr lang="en" sz="1600" spc="-1" dirty="0">
+                <a:solidFill>
+                  <a:srgbClr val="525C65"/>
+                </a:solidFill>
+                <a:highlight>
+                  <a:srgbClr val="FFFFFF"/>
+                </a:highlight>
+                <a:latin typeface="Open Sans"/>
+                <a:ea typeface="Open Sans"/>
+              </a:rPr>
+              <a:t> and email should uniquely identify a user</a:t>
             </a:r>
             <a:endParaRPr lang="en" sz="1600" b="0" strike="noStrike" spc="-1" dirty="0">
               <a:solidFill>
@@ -9120,7 +9277,7 @@
               </a:tabLst>
             </a:pPr>
             <a:r>
-              <a:rPr lang="en" sz="1600" spc="-1">
+              <a:rPr lang="en" sz="1600" spc="-1" dirty="0">
                 <a:solidFill>
                   <a:srgbClr val="525C65"/>
                 </a:solidFill>
@@ -9130,7 +9287,122 @@
                 <a:latin typeface="Open Sans"/>
                 <a:ea typeface="Open Sans"/>
               </a:rPr>
-              <a:t>Customer data is to be marched using the creditcardid fields</a:t>
+              <a:t>Customer data is to be matched using the </a:t>
+            </a:r>
+            <a:r>
+              <a:rPr lang="en" sz="1600" spc="-1" dirty="0" err="1">
+                <a:solidFill>
+                  <a:srgbClr val="525C65"/>
+                </a:solidFill>
+                <a:highlight>
+                  <a:srgbClr val="FFFFFF"/>
+                </a:highlight>
+                <a:latin typeface="Open Sans"/>
+                <a:ea typeface="Open Sans"/>
+              </a:rPr>
+              <a:t>userid</a:t>
+            </a:r>
+            <a:r>
+              <a:rPr lang="en" sz="1600" spc="-1" dirty="0">
+                <a:solidFill>
+                  <a:srgbClr val="525C65"/>
+                </a:solidFill>
+                <a:highlight>
+                  <a:srgbClr val="FFFFFF"/>
+                </a:highlight>
+                <a:latin typeface="Open Sans"/>
+                <a:ea typeface="Open Sans"/>
+              </a:rPr>
+              <a:t> field and the </a:t>
+            </a:r>
+            <a:r>
+              <a:rPr lang="en" sz="1600" spc="-1" dirty="0" err="1">
+                <a:solidFill>
+                  <a:srgbClr val="525C65"/>
+                </a:solidFill>
+                <a:highlight>
+                  <a:srgbClr val="FFFFFF"/>
+                </a:highlight>
+                <a:latin typeface="Open Sans"/>
+                <a:ea typeface="Open Sans"/>
+              </a:rPr>
+              <a:t>sellerid</a:t>
+            </a:r>
+            <a:r>
+              <a:rPr lang="en" sz="1600" spc="-1" dirty="0">
+                <a:solidFill>
+                  <a:srgbClr val="525C65"/>
+                </a:solidFill>
+                <a:highlight>
+                  <a:srgbClr val="FFFFFF"/>
+                </a:highlight>
+                <a:latin typeface="Open Sans"/>
+                <a:ea typeface="Open Sans"/>
+              </a:rPr>
+              <a:t> from listings and items</a:t>
+            </a:r>
+            <a:endParaRPr lang="en" sz="1600" b="0" strike="noStrike" spc="-1" dirty="0">
+              <a:solidFill>
+                <a:srgbClr val="525C65"/>
+              </a:solidFill>
+              <a:highlight>
+                <a:srgbClr val="FFFFFF"/>
+              </a:highlight>
+              <a:latin typeface="Open Sans"/>
+              <a:ea typeface="Open Sans"/>
+            </a:endParaRPr>
+          </a:p>
+          <a:p>
+            <a:pPr marL="342900" indent="-342900" algn="just">
+              <a:lnSpc>
+                <a:spcPct val="114999"/>
+              </a:lnSpc>
+              <a:spcBef>
+                <a:spcPts val="1599"/>
+              </a:spcBef>
+              <a:buAutoNum type="arabicPeriod"/>
+              <a:tabLst>
+                <a:tab pos="0" algn="l"/>
+              </a:tabLst>
+            </a:pPr>
+            <a:r>
+              <a:rPr lang="en" sz="1600" spc="-1" dirty="0">
+                <a:solidFill>
+                  <a:srgbClr val="525C65"/>
+                </a:solidFill>
+                <a:highlight>
+                  <a:srgbClr val="FFFFFF"/>
+                </a:highlight>
+                <a:latin typeface="Open Sans"/>
+                <a:ea typeface="Open Sans"/>
+              </a:rPr>
+              <a:t>Customer data is to be marched using the </a:t>
+            </a:r>
+            <a:r>
+              <a:rPr lang="en" sz="1600" spc="-1" dirty="0" err="1">
+                <a:solidFill>
+                  <a:srgbClr val="525C65"/>
+                </a:solidFill>
+                <a:highlight>
+                  <a:srgbClr val="FFFFFF"/>
+                </a:highlight>
+                <a:latin typeface="Open Sans"/>
+                <a:ea typeface="Open Sans"/>
+              </a:rPr>
+              <a:t>creditcardid</a:t>
+            </a:r>
+            <a:r>
+              <a:rPr lang="en" sz="1600" spc="-1" dirty="0">
+                <a:solidFill>
+                  <a:srgbClr val="525C65"/>
+                </a:solidFill>
+                <a:highlight>
+                  <a:srgbClr val="FFFFFF"/>
+                </a:highlight>
+                <a:latin typeface="Open Sans"/>
+                <a:ea typeface="Open Sans"/>
+              </a:rPr>
+              <a:t> fields</a:t>
             </a:r>
             <a:endParaRPr lang="en" sz="1600" b="0" strike="noStrike" spc="-1" dirty="0">
               <a:solidFill>
